--- a/maps/courseware/Maps.pptx
+++ b/maps/courseware/Maps.pptx
@@ -293,7 +293,7 @@
               <a:pPr>
                 <a:defRPr/>
               </a:pPr>
-              <a:t>8/9/16</a:t>
+              <a:t>8/12/16</a:t>
             </a:fld>
             <a:endParaRPr lang="en-US" dirty="0"/>
           </a:p>
@@ -509,7 +509,7 @@
               <a:pPr>
                 <a:defRPr/>
               </a:pPr>
-              <a:t>8/9/16</a:t>
+              <a:t>8/12/16</a:t>
             </a:fld>
             <a:endParaRPr lang="en-US" dirty="0"/>
           </a:p>
@@ -1304,12 +1304,12 @@
           <a:graphicData uri="http://schemas.openxmlformats.org/presentationml/2006/ole">
             <mc:AlternateContent xmlns:mc="http://schemas.openxmlformats.org/markup-compatibility/2006">
               <mc:Choice xmlns:v="urn:schemas-microsoft-com:vml" Requires="v">
-                <p:oleObj spid="_x0000_s3267" name="Document" r:id="rId4" imgW="8229600" imgH="558800" progId="Word.Document.12">
+                <p:oleObj spid="_x0000_s3270" name="Document" r:id="rId5" imgW="8229600" imgH="558800" progId="Word.Document.12">
                   <p:embed/>
                 </p:oleObj>
               </mc:Choice>
               <mc:Fallback>
-                <p:oleObj name="Document" r:id="rId4" imgW="8229600" imgH="558800" progId="Word.Document.12">
+                <p:oleObj name="Document" r:id="rId5" imgW="8229600" imgH="558800" progId="Word.Document.12">
                   <p:embed/>
                   <p:pic>
                     <p:nvPicPr>
@@ -1318,7 +1318,7 @@
                       <p:nvPr/>
                     </p:nvPicPr>
                     <p:blipFill>
-                      <a:blip r:embed="rId5"/>
+                      <a:blip r:embed="rId6"/>
                       <a:stretch>
                         <a:fillRect/>
                       </a:stretch>
@@ -1357,12 +1357,12 @@
           <a:graphicData uri="http://schemas.openxmlformats.org/presentationml/2006/ole">
             <mc:AlternateContent xmlns:mc="http://schemas.openxmlformats.org/markup-compatibility/2006">
               <mc:Choice xmlns:v="urn:schemas-microsoft-com:vml" Requires="v">
-                <p:oleObj spid="_x0000_s3268" name="Document" r:id="rId6" imgW="5486400" imgH="927100" progId="Word.Document.12">
+                <p:oleObj spid="_x0000_s3271" name="Document" r:id="rId8" imgW="5486400" imgH="927100" progId="Word.Document.12">
                   <p:embed/>
                 </p:oleObj>
               </mc:Choice>
               <mc:Fallback>
-                <p:oleObj name="Document" r:id="rId6" imgW="5486400" imgH="927100" progId="Word.Document.12">
+                <p:oleObj name="Document" r:id="rId8" imgW="5486400" imgH="927100" progId="Word.Document.12">
                   <p:embed/>
                   <p:pic>
                     <p:nvPicPr>
@@ -1371,7 +1371,7 @@
                       <p:nvPr/>
                     </p:nvPicPr>
                     <p:blipFill>
-                      <a:blip r:embed="rId7"/>
+                      <a:blip r:embed="rId9"/>
                       <a:stretch>
                         <a:fillRect/>
                       </a:stretch>
@@ -1500,12 +1500,12 @@
           <a:graphicData uri="http://schemas.openxmlformats.org/presentationml/2006/ole">
             <mc:AlternateContent xmlns:mc="http://schemas.openxmlformats.org/markup-compatibility/2006">
               <mc:Choice xmlns:v="urn:schemas-microsoft-com:vml" Requires="v">
-                <p:oleObj spid="_x0000_s5315" name="Document" r:id="rId4" imgW="8229600" imgH="558800" progId="Word.Document.12">
+                <p:oleObj spid="_x0000_s5318" name="Document" r:id="rId5" imgW="8229600" imgH="558800" progId="Word.Document.12">
                   <p:embed/>
                 </p:oleObj>
               </mc:Choice>
               <mc:Fallback>
-                <p:oleObj name="Document" r:id="rId4" imgW="8229600" imgH="558800" progId="Word.Document.12">
+                <p:oleObj name="Document" r:id="rId5" imgW="8229600" imgH="558800" progId="Word.Document.12">
                   <p:embed/>
                   <p:pic>
                     <p:nvPicPr>
@@ -1514,7 +1514,7 @@
                       <p:nvPr/>
                     </p:nvPicPr>
                     <p:blipFill>
-                      <a:blip r:embed="rId5"/>
+                      <a:blip r:embed="rId6"/>
                       <a:stretch>
                         <a:fillRect/>
                       </a:stretch>
@@ -1553,12 +1553,12 @@
           <a:graphicData uri="http://schemas.openxmlformats.org/presentationml/2006/ole">
             <mc:AlternateContent xmlns:mc="http://schemas.openxmlformats.org/markup-compatibility/2006">
               <mc:Choice xmlns:v="urn:schemas-microsoft-com:vml" Requires="v">
-                <p:oleObj spid="_x0000_s5316" name="Document" r:id="rId6" imgW="8229600" imgH="1117600" progId="Word.Document.12">
+                <p:oleObj spid="_x0000_s5319" name="Document" r:id="rId8" imgW="8229600" imgH="1117600" progId="Word.Document.12">
                   <p:embed/>
                 </p:oleObj>
               </mc:Choice>
               <mc:Fallback>
-                <p:oleObj name="Document" r:id="rId6" imgW="8229600" imgH="1117600" progId="Word.Document.12">
+                <p:oleObj name="Document" r:id="rId8" imgW="8229600" imgH="1117600" progId="Word.Document.12">
                   <p:embed/>
                   <p:pic>
                     <p:nvPicPr>
@@ -1567,7 +1567,7 @@
                       <p:nvPr/>
                     </p:nvPicPr>
                     <p:blipFill>
-                      <a:blip r:embed="rId7"/>
+                      <a:blip r:embed="rId9"/>
                       <a:stretch>
                         <a:fillRect/>
                       </a:stretch>
@@ -3449,7 +3449,7 @@
           <a:p>
             <a:fld id="{1F322805-1C3E-D64D-B9FF-1838A69DCBD5}" type="datetimeFigureOut">
               <a:rPr lang="en-US" smtClean="0"/>
-              <a:t>8/9/16</a:t>
+              <a:t>8/12/16</a:t>
             </a:fld>
             <a:endParaRPr lang="en-US"/>
           </a:p>
@@ -4454,7 +4454,7 @@
           <a:p>
             <a:fld id="{5572DC24-C402-654F-AFF6-A88DF25963D2}" type="datetimeFigureOut">
               <a:rPr lang="en-US" smtClean="0"/>
-              <a:t>8/9/16</a:t>
+              <a:t>8/12/16</a:t>
             </a:fld>
             <a:endParaRPr lang="en-US"/>
           </a:p>
@@ -9563,11 +9563,6 @@
               </a:rPr>
               <a:t>Values</a:t>
             </a:r>
-            <a:endParaRPr lang="en-US" b="1" dirty="0" smtClean="0">
-              <a:solidFill>
-                <a:srgbClr val="0000FF"/>
-              </a:solidFill>
-            </a:endParaRPr>
           </a:p>
           <a:p>
             <a:r>
@@ -9622,11 +9617,6 @@
               </a:rPr>
               <a:t>BA</a:t>
             </a:r>
-            <a:endParaRPr lang="en-US" dirty="0" smtClean="0">
-              <a:solidFill>
-                <a:srgbClr val="0000FF"/>
-              </a:solidFill>
-            </a:endParaRPr>
           </a:p>
           <a:p>
             <a:pPr marL="457200" lvl="1" indent="0">
@@ -9644,15 +9634,19 @@
           <a:p>
             <a:r>
               <a:rPr lang="en-US" dirty="0" smtClean="0"/>
-              <a:t>Records containing </a:t>
+              <a:t>Records containing values between </a:t>
+            </a:r>
+            <a:r>
+              <a:rPr lang="en-US" dirty="0" smtClean="0">
+                <a:solidFill>
+                  <a:srgbClr val="0000FF"/>
+                </a:solidFill>
+              </a:rPr>
+              <a:t>40</a:t>
             </a:r>
             <a:r>
               <a:rPr lang="en-US" dirty="0" smtClean="0"/>
-              <a:t>values </a:t>
-            </a:r>
-            <a:r>
-              <a:rPr lang="en-US" dirty="0" smtClean="0"/>
-              <a:t>between </a:t>
+              <a:t> and </a:t>
             </a:r>
             <a:r>
               <a:rPr lang="en-US" dirty="0" smtClean="0">
@@ -9660,29 +9654,8 @@
                   <a:srgbClr val="0000FF"/>
                 </a:solidFill>
               </a:rPr>
-              <a:t>40</a:t>
-            </a:r>
-            <a:r>
-              <a:rPr lang="en-US" dirty="0" smtClean="0"/>
-              <a:t> </a:t>
-            </a:r>
-            <a:r>
-              <a:rPr lang="en-US" dirty="0" smtClean="0"/>
-              <a:t>and </a:t>
-            </a:r>
-            <a:r>
-              <a:rPr lang="en-US" dirty="0" smtClean="0">
-                <a:solidFill>
-                  <a:srgbClr val="0000FF"/>
-                </a:solidFill>
-              </a:rPr>
               <a:t>90</a:t>
             </a:r>
-            <a:endParaRPr lang="en-US" dirty="0" smtClean="0">
-              <a:solidFill>
-                <a:srgbClr val="0000FF"/>
-              </a:solidFill>
-            </a:endParaRPr>
           </a:p>
           <a:p>
             <a:pPr marL="457200" lvl="1" indent="0">
@@ -10133,15 +10106,7 @@
                     <a:srgbClr val="0000FF"/>
                   </a:solidFill>
                 </a:rPr>
-                <a:t>F</a:t>
-              </a:r>
-              <a:r>
-                <a:rPr lang="en-US" sz="1600" dirty="0" smtClean="0">
-                  <a:solidFill>
-                    <a:srgbClr val="0000FF"/>
-                  </a:solidFill>
-                </a:rPr>
-                <a:t>B=41</a:t>
+                <a:t>FB=41</a:t>
               </a:r>
               <a:endParaRPr lang="en-US" sz="1600" dirty="0">
                 <a:solidFill>
@@ -10362,15 +10327,7 @@
                     <a:srgbClr val="0000FF"/>
                   </a:solidFill>
                 </a:rPr>
-                <a:t>AI</a:t>
-              </a:r>
-              <a:r>
-                <a:rPr lang="en-US" sz="1600" dirty="0" smtClean="0">
-                  <a:solidFill>
-                    <a:srgbClr val="0000FF"/>
-                  </a:solidFill>
-                </a:rPr>
-                <a:t>=87</a:t>
+                <a:t>AI=87</a:t>
               </a:r>
               <a:endParaRPr lang="en-US" sz="1600" dirty="0">
                 <a:solidFill>
@@ -10473,15 +10430,7 @@
                     <a:srgbClr val="0000FF"/>
                   </a:solidFill>
                 </a:rPr>
-                <a:t>BB</a:t>
-              </a:r>
-              <a:r>
-                <a:rPr lang="en-US" sz="1600" dirty="0" smtClean="0">
-                  <a:solidFill>
-                    <a:srgbClr val="0000FF"/>
-                  </a:solidFill>
-                </a:rPr>
-                <a:t>:H</a:t>
+                <a:t>BB:H</a:t>
               </a:r>
               <a:endParaRPr lang="en-US" sz="1600" dirty="0">
                 <a:solidFill>
@@ -10532,15 +10481,7 @@
                     <a:srgbClr val="0000FF"/>
                   </a:solidFill>
                 </a:rPr>
-                <a:t>FF</a:t>
-              </a:r>
-              <a:r>
-                <a:rPr lang="en-US" sz="1600" dirty="0" smtClean="0">
-                  <a:solidFill>
-                    <a:srgbClr val="0000FF"/>
-                  </a:solidFill>
-                </a:rPr>
-                <a:t>=w</a:t>
+                <a:t>FF=w</a:t>
               </a:r>
               <a:endParaRPr lang="en-US" sz="1600" dirty="0">
                 <a:solidFill>
@@ -10718,15 +10659,7 @@
                     <a:srgbClr val="0000FF"/>
                   </a:solidFill>
                 </a:rPr>
-                <a:t>CF</a:t>
-              </a:r>
-              <a:r>
-                <a:rPr lang="en-US" sz="1600" dirty="0" smtClean="0">
-                  <a:solidFill>
-                    <a:srgbClr val="0000FF"/>
-                  </a:solidFill>
-                </a:rPr>
-                <a:t>=C</a:t>
+                <a:t>CF=C</a:t>
               </a:r>
               <a:endParaRPr lang="en-US" sz="1600" dirty="0">
                 <a:solidFill>
@@ -10777,15 +10710,7 @@
                     <a:srgbClr val="0000FF"/>
                   </a:solidFill>
                 </a:rPr>
-                <a:t>DH</a:t>
-              </a:r>
-              <a:r>
-                <a:rPr lang="en-US" sz="1600" dirty="0" smtClean="0">
-                  <a:solidFill>
-                    <a:srgbClr val="0000FF"/>
-                  </a:solidFill>
-                </a:rPr>
-                <a:t>=Y</a:t>
+                <a:t>DH=Y</a:t>
               </a:r>
               <a:endParaRPr lang="en-US" sz="1600" dirty="0">
                 <a:solidFill>
@@ -10888,15 +10813,7 @@
                     <a:srgbClr val="0000FF"/>
                   </a:solidFill>
                 </a:rPr>
-                <a:t>BA</a:t>
-              </a:r>
-              <a:r>
-                <a:rPr lang="en-US" sz="1600" dirty="0" smtClean="0">
-                  <a:solidFill>
-                    <a:srgbClr val="0000FF"/>
-                  </a:solidFill>
-                </a:rPr>
-                <a:t>=Q</a:t>
+                <a:t>BA=Q</a:t>
               </a:r>
               <a:endParaRPr lang="en-US" sz="1600" dirty="0">
                 <a:solidFill>
@@ -10947,15 +10864,7 @@
                     <a:srgbClr val="0000FF"/>
                   </a:solidFill>
                 </a:rPr>
-                <a:t>FA</a:t>
-              </a:r>
-              <a:r>
-                <a:rPr lang="en-US" sz="1600" dirty="0" smtClean="0">
-                  <a:solidFill>
-                    <a:srgbClr val="0000FF"/>
-                  </a:solidFill>
-                </a:rPr>
-                <a:t>=V</a:t>
+                <a:t>FA=V</a:t>
               </a:r>
               <a:endParaRPr lang="en-US" sz="1600" dirty="0">
                 <a:solidFill>
@@ -11529,12 +11438,12 @@
           <a:graphicData uri="http://schemas.openxmlformats.org/presentationml/2006/ole">
             <mc:AlternateContent xmlns:mc="http://schemas.openxmlformats.org/markup-compatibility/2006">
               <mc:Choice xmlns:v="urn:schemas-microsoft-com:vml" Requires="v">
-                <p:oleObj spid="_x0000_s8260" name="Document" r:id="rId4" imgW="8229600" imgH="1193800" progId="Word.Document.12">
+                <p:oleObj spid="_x0000_s8262" name="Document" r:id="rId5" imgW="8229600" imgH="1193800" progId="Word.Document.12">
                   <p:embed/>
                 </p:oleObj>
               </mc:Choice>
               <mc:Fallback>
-                <p:oleObj name="Document" r:id="rId4" imgW="8229600" imgH="1193800" progId="Word.Document.12">
+                <p:oleObj name="Document" r:id="rId5" imgW="8229600" imgH="1193800" progId="Word.Document.12">
                   <p:embed/>
                   <p:pic>
                     <p:nvPicPr>
@@ -11543,7 +11452,7 @@
                       <p:nvPr/>
                     </p:nvPicPr>
                     <p:blipFill>
-                      <a:blip r:embed="rId5"/>
+                      <a:blip r:embed="rId6"/>
                       <a:stretch>
                         <a:fillRect/>
                       </a:stretch>
@@ -11573,7 +11482,7 @@
           <p:nvPr/>
         </p:nvPicPr>
         <p:blipFill>
-          <a:blip r:embed="rId6">
+          <a:blip r:embed="rId7">
             <a:extLst>
               <a:ext uri="{28A0092B-C50C-407E-A947-70E740481C1C}">
                 <a14:useLocalDpi xmlns:a14="http://schemas.microsoft.com/office/drawing/2010/main" val="0"/>
@@ -13137,12 +13046,12 @@
           <a:graphicData uri="http://schemas.openxmlformats.org/presentationml/2006/ole">
             <mc:AlternateContent xmlns:mc="http://schemas.openxmlformats.org/markup-compatibility/2006">
               <mc:Choice xmlns:v="urn:schemas-microsoft-com:vml" Requires="v">
-                <p:oleObj spid="_x0000_s10357" name="Document" r:id="rId4" imgW="8229600" imgH="1485900" progId="Word.Document.12">
+                <p:oleObj spid="_x0000_s10360" name="Document" r:id="rId5" imgW="8229600" imgH="1485900" progId="Word.Document.12">
                   <p:embed/>
                 </p:oleObj>
               </mc:Choice>
               <mc:Fallback>
-                <p:oleObj name="Document" r:id="rId4" imgW="8229600" imgH="1485900" progId="Word.Document.12">
+                <p:oleObj name="Document" r:id="rId5" imgW="8229600" imgH="1485900" progId="Word.Document.12">
                   <p:embed/>
                   <p:pic>
                     <p:nvPicPr>
@@ -13151,7 +13060,7 @@
                       <p:nvPr/>
                     </p:nvPicPr>
                     <p:blipFill>
-                      <a:blip r:embed="rId5"/>
+                      <a:blip r:embed="rId6"/>
                       <a:stretch>
                         <a:fillRect/>
                       </a:stretch>
@@ -13190,12 +13099,12 @@
           <a:graphicData uri="http://schemas.openxmlformats.org/presentationml/2006/ole">
             <mc:AlternateContent xmlns:mc="http://schemas.openxmlformats.org/markup-compatibility/2006">
               <mc:Choice xmlns:v="urn:schemas-microsoft-com:vml" Requires="v">
-                <p:oleObj spid="_x0000_s10358" name="Document" r:id="rId6" imgW="8229600" imgH="1308100" progId="Word.Document.12">
+                <p:oleObj spid="_x0000_s10361" name="Document" r:id="rId8" imgW="8229600" imgH="1308100" progId="Word.Document.12">
                   <p:embed/>
                 </p:oleObj>
               </mc:Choice>
               <mc:Fallback>
-                <p:oleObj name="Document" r:id="rId6" imgW="8229600" imgH="1308100" progId="Word.Document.12">
+                <p:oleObj name="Document" r:id="rId8" imgW="8229600" imgH="1308100" progId="Word.Document.12">
                   <p:embed/>
                   <p:pic>
                     <p:nvPicPr>
@@ -13204,7 +13113,7 @@
                       <p:nvPr/>
                     </p:nvPicPr>
                     <p:blipFill>
-                      <a:blip r:embed="rId7"/>
+                      <a:blip r:embed="rId9"/>
                       <a:stretch>
                         <a:fillRect/>
                       </a:stretch>
@@ -14051,7 +13960,7 @@
         </p:spPr>
         <p:txBody>
           <a:bodyPr>
-            <a:normAutofit fontScale="92500" lnSpcReduction="20000"/>
+            <a:normAutofit fontScale="85000" lnSpcReduction="10000"/>
           </a:bodyPr>
           <a:lstStyle/>
           <a:p>
@@ -14063,12 +13972,16 @@
               <a:t>Find the </a:t>
             </a:r>
             <a:r>
-              <a:rPr lang="en-US" sz="2000" dirty="0" err="1" smtClean="0"/>
-              <a:t>Program.java</a:t>
+              <a:rPr lang="en-US" sz="2000" smtClean="0"/>
+              <a:t>MapsExercises.java</a:t>
             </a:r>
             <a:r>
               <a:rPr lang="en-US" sz="2000" dirty="0" smtClean="0"/>
-              <a:t> file in the exercises directory. Replace the TODOs with working code</a:t>
+              <a:t> </a:t>
+            </a:r>
+            <a:r>
+              <a:rPr lang="en-US" sz="2000" dirty="0" smtClean="0"/>
+              <a:t>file in the exercises directory. Replace the TODOs with working code</a:t>
             </a:r>
           </a:p>
           <a:p>
@@ -14589,11 +14502,7 @@
             <a:pPr marL="1019174" lvl="1" indent="-342900"/>
             <a:r>
               <a:rPr lang="en-US" dirty="0" smtClean="0"/>
-              <a:t>Map </a:t>
-            </a:r>
-            <a:r>
-              <a:rPr lang="en-US" dirty="0" smtClean="0"/>
-              <a:t>operations</a:t>
+              <a:t>Map operations</a:t>
             </a:r>
           </a:p>
           <a:p>
@@ -15383,15 +15292,7 @@
                   <a:srgbClr val="0000FF"/>
                 </a:solidFill>
               </a:rPr>
-              <a:t>whole </a:t>
-            </a:r>
-            <a:r>
-              <a:rPr lang="en-US" b="1" dirty="0" smtClean="0">
-                <a:solidFill>
-                  <a:srgbClr val="0000FF"/>
-                </a:solidFill>
-              </a:rPr>
-              <a:t>map</a:t>
+              <a:t>whole map</a:t>
             </a:r>
             <a:r>
               <a:rPr lang="en-US" dirty="0" smtClean="0"/>
@@ -17736,7 +17637,6 @@
                         <a:rPr lang="en-US" sz="1400" dirty="0" smtClean="0"/>
                         <a:t>Get By Value</a:t>
                       </a:r>
-                      <a:endParaRPr lang="en-US" sz="1400" dirty="0" smtClean="0"/>
                     </a:p>
                   </a:txBody>
                   <a:tcPr/>
@@ -17773,7 +17673,6 @@
                         <a:rPr lang="en-US" sz="1400" dirty="0" smtClean="0"/>
                         <a:t>Get By Value Range</a:t>
                       </a:r>
-                      <a:endParaRPr lang="en-US" sz="1400" dirty="0" smtClean="0"/>
                     </a:p>
                   </a:txBody>
                   <a:tcPr/>
@@ -17810,7 +17709,6 @@
                         <a:rPr lang="en-US" sz="1400" dirty="0" smtClean="0"/>
                         <a:t>Remove By Value</a:t>
                       </a:r>
-                      <a:endParaRPr lang="en-US" sz="1400" dirty="0" smtClean="0"/>
                     </a:p>
                   </a:txBody>
                   <a:tcPr/>
@@ -17847,7 +17745,6 @@
                         <a:rPr lang="en-US" sz="1400" dirty="0" smtClean="0"/>
                         <a:t>Remove By Value List</a:t>
                       </a:r>
-                      <a:endParaRPr lang="en-US" sz="1400" dirty="0" smtClean="0"/>
                     </a:p>
                   </a:txBody>
                   <a:tcPr/>
@@ -18513,16 +18410,11 @@
               <a:rPr lang="en-US" dirty="0" smtClean="0"/>
               <a:t>Index operations access items by their offset from the start of the map, </a:t>
             </a:r>
-            <a:endParaRPr lang="en-US" dirty="0" smtClean="0"/>
           </a:p>
           <a:p>
             <a:r>
               <a:rPr lang="en-US" dirty="0" smtClean="0"/>
-              <a:t>Example</a:t>
-            </a:r>
-            <a:r>
-              <a:rPr lang="en-US" dirty="0" smtClean="0"/>
-              <a:t>:</a:t>
+              <a:t>Example:</a:t>
             </a:r>
           </a:p>
           <a:p>
@@ -19068,15 +18960,7 @@
                       <a:schemeClr val="tx1"/>
                     </a:solidFill>
                   </a:rPr>
-                  <a:t>:BC=</a:t>
-                </a:r>
-                <a:r>
-                  <a:rPr lang="en-US" sz="1100" dirty="0" smtClean="0">
-                    <a:solidFill>
-                      <a:schemeClr val="tx1"/>
-                    </a:solidFill>
-                  </a:rPr>
-                  <a:t>29</a:t>
+                  <a:t>:BC=29</a:t>
                 </a:r>
                 <a:endParaRPr lang="en-US" sz="1400" dirty="0">
                   <a:solidFill>
@@ -19246,15 +19130,7 @@
                       <a:schemeClr val="tx1"/>
                     </a:solidFill>
                   </a:rPr>
-                  <a:t>:AB=</a:t>
-                </a:r>
-                <a:r>
-                  <a:rPr lang="en-US" sz="1100" dirty="0" smtClean="0">
-                    <a:solidFill>
-                      <a:schemeClr val="tx1"/>
-                    </a:solidFill>
-                  </a:rPr>
-                  <a:t>HS</a:t>
+                  <a:t>:AB=HS</a:t>
                 </a:r>
                 <a:endParaRPr lang="en-US" sz="1100" dirty="0">
                   <a:solidFill>
@@ -19313,15 +19189,7 @@
                       <a:schemeClr val="tx1"/>
                     </a:solidFill>
                   </a:rPr>
-                  <a:t>:XY=</a:t>
-                </a:r>
-                <a:r>
-                  <a:rPr lang="en-US" sz="1100" dirty="0" smtClean="0">
-                    <a:solidFill>
-                      <a:schemeClr val="tx1"/>
-                    </a:solidFill>
-                  </a:rPr>
-                  <a:t>QR</a:t>
+                  <a:t>:XY=QR</a:t>
                 </a:r>
                 <a:endParaRPr lang="en-US" sz="1100" dirty="0">
                   <a:solidFill>
@@ -20144,15 +20012,7 @@
                       <a:schemeClr val="tx1"/>
                     </a:solidFill>
                   </a:rPr>
-                  <a:t>BC=</a:t>
-                </a:r>
-                <a:r>
-                  <a:rPr lang="en-US" sz="1100" dirty="0" smtClean="0">
-                    <a:solidFill>
-                      <a:schemeClr val="tx1"/>
-                    </a:solidFill>
-                  </a:rPr>
-                  <a:t>29</a:t>
+                  <a:t>BC=29</a:t>
                 </a:r>
                 <a:endParaRPr lang="en-US" sz="1400" dirty="0">
                   <a:solidFill>
@@ -20306,15 +20166,7 @@
                       <a:schemeClr val="tx1"/>
                     </a:solidFill>
                   </a:rPr>
-                  <a:t>AB=</a:t>
-                </a:r>
-                <a:r>
-                  <a:rPr lang="en-US" sz="1100" dirty="0" smtClean="0">
-                    <a:solidFill>
-                      <a:schemeClr val="tx1"/>
-                    </a:solidFill>
-                  </a:rPr>
-                  <a:t>HS</a:t>
+                  <a:t>AB=HS</a:t>
                 </a:r>
                 <a:endParaRPr lang="en-US" sz="1100" dirty="0">
                   <a:solidFill>
@@ -20365,15 +20217,7 @@
                       <a:schemeClr val="tx1"/>
                     </a:solidFill>
                   </a:rPr>
-                  <a:t>XY=</a:t>
-                </a:r>
-                <a:r>
-                  <a:rPr lang="en-US" sz="1100" dirty="0" smtClean="0">
-                    <a:solidFill>
-                      <a:schemeClr val="tx1"/>
-                    </a:solidFill>
-                  </a:rPr>
-                  <a:t>QR</a:t>
+                  <a:t>XY=QR</a:t>
                 </a:r>
                 <a:endParaRPr lang="en-US" sz="1100" dirty="0">
                   <a:solidFill>
